--- a/Draft of Dashboard.pptx
+++ b/Draft of Dashboard.pptx
@@ -11,6 +11,11 @@
     <p:sldId id="256" r:id="rId6"/>
     <p:sldId id="257" r:id="rId7"/>
     <p:sldId id="258" r:id="rId8"/>
+    <p:sldId id="259" r:id="rId9"/>
+    <p:sldId id="260" r:id="rId10"/>
+    <p:sldId id="261" r:id="rId11"/>
+    <p:sldId id="262" r:id="rId12"/>
+    <p:sldId id="263" r:id="rId13"/>
   </p:sldIdLst>
   <p:sldSz cy="5143500" cx="9144000"/>
   <p:notesSz cx="6858000" cy="9144000"/>
@@ -707,7 +712,7 @@
       </p:grpSpPr>
       <p:sp>
         <p:nvSpPr>
-          <p:cNvPr id="51" name="Google Shape;51;p:notes"/>
+          <p:cNvPr id="51" name="Google Shape;51;g17e7b95ff23_0_1:notes"/>
           <p:cNvSpPr/>
           <p:nvPr>
             <p:ph idx="2" type="sldImg"/>
@@ -716,7 +721,7 @@
         <p:spPr>
           <a:xfrm>
             <a:off x="381300" y="685800"/>
-            <a:ext cx="6096075" cy="3429000"/>
+            <a:ext cx="6096000" cy="3429000"/>
           </a:xfrm>
           <a:custGeom>
             <a:rect b="b" l="l" r="r" t="t"/>
@@ -742,7 +747,7 @@
       </p:sp>
       <p:sp>
         <p:nvSpPr>
-          <p:cNvPr id="52" name="Google Shape;52;p:notes"/>
+          <p:cNvPr id="52" name="Google Shape;52;g17e7b95ff23_0_1:notes"/>
           <p:cNvSpPr txBox="1"/>
           <p:nvPr>
             <p:ph idx="1" type="body"/>
@@ -806,7 +811,7 @@
       </p:grpSpPr>
       <p:sp>
         <p:nvSpPr>
-          <p:cNvPr id="57" name="Google Shape;57;g17e0f3365e0_0_0:notes"/>
+          <p:cNvPr id="57" name="Google Shape;57;g17e7b95ff23_0_6:notes"/>
           <p:cNvSpPr/>
           <p:nvPr>
             <p:ph idx="2" type="sldImg"/>
@@ -841,7 +846,7 @@
       </p:sp>
       <p:sp>
         <p:nvSpPr>
-          <p:cNvPr id="58" name="Google Shape;58;g17e0f3365e0_0_0:notes"/>
+          <p:cNvPr id="58" name="Google Shape;58;g17e7b95ff23_0_6:notes"/>
           <p:cNvSpPr txBox="1"/>
           <p:nvPr>
             <p:ph idx="1" type="body"/>
@@ -891,7 +896,7 @@
   <p:cSld>
     <p:spTree>
       <p:nvGrpSpPr>
-        <p:cNvPr id="75" name="Shape 75"/>
+        <p:cNvPr id="62" name="Shape 62"/>
         <p:cNvGrpSpPr/>
         <p:nvPr/>
       </p:nvGrpSpPr>
@@ -905,7 +910,7 @@
       </p:grpSpPr>
       <p:sp>
         <p:nvSpPr>
-          <p:cNvPr id="76" name="Google Shape;76;g17e0f3365e0_0_15:notes"/>
+          <p:cNvPr id="63" name="Google Shape;63;g17e7b95ff23_0_26:notes"/>
           <p:cNvSpPr/>
           <p:nvPr>
             <p:ph idx="2" type="sldImg"/>
@@ -940,7 +945,502 @@
       </p:sp>
       <p:sp>
         <p:nvSpPr>
-          <p:cNvPr id="77" name="Google Shape;77;g17e0f3365e0_0_15:notes"/>
+          <p:cNvPr id="64" name="Google Shape;64;g17e7b95ff23_0_26:notes"/>
+          <p:cNvSpPr txBox="1"/>
+          <p:nvPr>
+            <p:ph idx="1" type="body"/>
+          </p:nvPr>
+        </p:nvSpPr>
+        <p:spPr>
+          <a:xfrm>
+            <a:off x="685800" y="4343400"/>
+            <a:ext cx="5486400" cy="4114800"/>
+          </a:xfrm>
+          <a:prstGeom prst="rect">
+            <a:avLst/>
+          </a:prstGeom>
+        </p:spPr>
+        <p:txBody>
+          <a:bodyPr anchorCtr="0" anchor="t" bIns="91425" lIns="91425" spcFirstLastPara="1" rIns="91425" wrap="square" tIns="91425">
+            <a:noAutofit/>
+          </a:bodyPr>
+          <a:lstStyle/>
+          <a:p>
+            <a:pPr indent="0" lvl="0" marL="0" rtl="0" algn="l">
+              <a:spcBef>
+                <a:spcPts val="0"/>
+              </a:spcBef>
+              <a:spcAft>
+                <a:spcPts val="0"/>
+              </a:spcAft>
+              <a:buNone/>
+            </a:pPr>
+            <a:r>
+              <a:t/>
+            </a:r>
+            <a:endParaRPr/>
+          </a:p>
+        </p:txBody>
+      </p:sp>
+    </p:spTree>
+  </p:cSld>
+  <p:clrMapOvr>
+    <a:masterClrMapping/>
+  </p:clrMapOvr>
+</p:notes>
+</file>
+
+<file path=ppt/notesSlides/notesSlide4.xml><?xml version="1.0" encoding="utf-8"?>
+<p:notes xmlns:a="http://schemas.openxmlformats.org/drawingml/2006/main" xmlns:r="http://schemas.openxmlformats.org/officeDocument/2006/relationships" xmlns:mc="http://schemas.openxmlformats.org/markup-compatibility/2006" xmlns:mv="urn:schemas-microsoft-com:mac:vml" xmlns:p="http://schemas.openxmlformats.org/presentationml/2006/main" xmlns:c="http://schemas.openxmlformats.org/drawingml/2006/chart" xmlns:dgm="http://schemas.openxmlformats.org/drawingml/2006/diagram" xmlns:o="urn:schemas-microsoft-com:office:office" xmlns:v="urn:schemas-microsoft-com:vml" xmlns:pvml="urn:schemas-microsoft-com:office:powerpoint" xmlns:com="http://schemas.openxmlformats.org/drawingml/2006/compatibility" xmlns:p14="http://schemas.microsoft.com/office/powerpoint/2010/main" xmlns:p15="http://schemas.microsoft.com/office/powerpoint/2012/main" xmlns:ahyp="http://schemas.microsoft.com/office/drawing/2018/hyperlinkcolor" showMasterPhAnim="0" showMasterSp="0">
+  <p:cSld>
+    <p:spTree>
+      <p:nvGrpSpPr>
+        <p:cNvPr id="68" name="Shape 68"/>
+        <p:cNvGrpSpPr/>
+        <p:nvPr/>
+      </p:nvGrpSpPr>
+      <p:grpSpPr>
+        <a:xfrm>
+          <a:off x="0" y="0"/>
+          <a:ext cx="0" cy="0"/>
+          <a:chOff x="0" y="0"/>
+          <a:chExt cx="0" cy="0"/>
+        </a:xfrm>
+      </p:grpSpPr>
+      <p:sp>
+        <p:nvSpPr>
+          <p:cNvPr id="69" name="Google Shape;69;g17e7b95ff23_0_21:notes"/>
+          <p:cNvSpPr/>
+          <p:nvPr>
+            <p:ph idx="2" type="sldImg"/>
+          </p:nvPr>
+        </p:nvSpPr>
+        <p:spPr>
+          <a:xfrm>
+            <a:off x="381300" y="685800"/>
+            <a:ext cx="6096000" cy="3429000"/>
+          </a:xfrm>
+          <a:custGeom>
+            <a:rect b="b" l="l" r="r" t="t"/>
+            <a:pathLst>
+              <a:path extrusionOk="0" h="120000" w="120000">
+                <a:moveTo>
+                  <a:pt x="0" y="0"/>
+                </a:moveTo>
+                <a:lnTo>
+                  <a:pt x="120000" y="0"/>
+                </a:lnTo>
+                <a:lnTo>
+                  <a:pt x="120000" y="120000"/>
+                </a:lnTo>
+                <a:lnTo>
+                  <a:pt x="0" y="120000"/>
+                </a:lnTo>
+                <a:close/>
+              </a:path>
+            </a:pathLst>
+          </a:custGeom>
+        </p:spPr>
+      </p:sp>
+      <p:sp>
+        <p:nvSpPr>
+          <p:cNvPr id="70" name="Google Shape;70;g17e7b95ff23_0_21:notes"/>
+          <p:cNvSpPr txBox="1"/>
+          <p:nvPr>
+            <p:ph idx="1" type="body"/>
+          </p:nvPr>
+        </p:nvSpPr>
+        <p:spPr>
+          <a:xfrm>
+            <a:off x="685800" y="4343400"/>
+            <a:ext cx="5486400" cy="4114800"/>
+          </a:xfrm>
+          <a:prstGeom prst="rect">
+            <a:avLst/>
+          </a:prstGeom>
+        </p:spPr>
+        <p:txBody>
+          <a:bodyPr anchorCtr="0" anchor="t" bIns="91425" lIns="91425" spcFirstLastPara="1" rIns="91425" wrap="square" tIns="91425">
+            <a:noAutofit/>
+          </a:bodyPr>
+          <a:lstStyle/>
+          <a:p>
+            <a:pPr indent="0" lvl="0" marL="0" rtl="0" algn="l">
+              <a:spcBef>
+                <a:spcPts val="0"/>
+              </a:spcBef>
+              <a:spcAft>
+                <a:spcPts val="0"/>
+              </a:spcAft>
+              <a:buNone/>
+            </a:pPr>
+            <a:r>
+              <a:t/>
+            </a:r>
+            <a:endParaRPr/>
+          </a:p>
+        </p:txBody>
+      </p:sp>
+    </p:spTree>
+  </p:cSld>
+  <p:clrMapOvr>
+    <a:masterClrMapping/>
+  </p:clrMapOvr>
+</p:notes>
+</file>
+
+<file path=ppt/notesSlides/notesSlide5.xml><?xml version="1.0" encoding="utf-8"?>
+<p:notes xmlns:a="http://schemas.openxmlformats.org/drawingml/2006/main" xmlns:r="http://schemas.openxmlformats.org/officeDocument/2006/relationships" xmlns:mc="http://schemas.openxmlformats.org/markup-compatibility/2006" xmlns:mv="urn:schemas-microsoft-com:mac:vml" xmlns:p="http://schemas.openxmlformats.org/presentationml/2006/main" xmlns:c="http://schemas.openxmlformats.org/drawingml/2006/chart" xmlns:dgm="http://schemas.openxmlformats.org/drawingml/2006/diagram" xmlns:o="urn:schemas-microsoft-com:office:office" xmlns:v="urn:schemas-microsoft-com:vml" xmlns:pvml="urn:schemas-microsoft-com:office:powerpoint" xmlns:com="http://schemas.openxmlformats.org/drawingml/2006/compatibility" xmlns:p14="http://schemas.microsoft.com/office/powerpoint/2010/main" xmlns:p15="http://schemas.microsoft.com/office/powerpoint/2012/main" xmlns:ahyp="http://schemas.microsoft.com/office/drawing/2018/hyperlinkcolor" showMasterPhAnim="0" showMasterSp="0">
+  <p:cSld>
+    <p:spTree>
+      <p:nvGrpSpPr>
+        <p:cNvPr id="74" name="Shape 74"/>
+        <p:cNvGrpSpPr/>
+        <p:nvPr/>
+      </p:nvGrpSpPr>
+      <p:grpSpPr>
+        <a:xfrm>
+          <a:off x="0" y="0"/>
+          <a:ext cx="0" cy="0"/>
+          <a:chOff x="0" y="0"/>
+          <a:chExt cx="0" cy="0"/>
+        </a:xfrm>
+      </p:grpSpPr>
+      <p:sp>
+        <p:nvSpPr>
+          <p:cNvPr id="75" name="Google Shape;75;g17e7b95ff23_0_11:notes"/>
+          <p:cNvSpPr/>
+          <p:nvPr>
+            <p:ph idx="2" type="sldImg"/>
+          </p:nvPr>
+        </p:nvSpPr>
+        <p:spPr>
+          <a:xfrm>
+            <a:off x="381300" y="685800"/>
+            <a:ext cx="6096000" cy="3429000"/>
+          </a:xfrm>
+          <a:custGeom>
+            <a:rect b="b" l="l" r="r" t="t"/>
+            <a:pathLst>
+              <a:path extrusionOk="0" h="120000" w="120000">
+                <a:moveTo>
+                  <a:pt x="0" y="0"/>
+                </a:moveTo>
+                <a:lnTo>
+                  <a:pt x="120000" y="0"/>
+                </a:lnTo>
+                <a:lnTo>
+                  <a:pt x="120000" y="120000"/>
+                </a:lnTo>
+                <a:lnTo>
+                  <a:pt x="0" y="120000"/>
+                </a:lnTo>
+                <a:close/>
+              </a:path>
+            </a:pathLst>
+          </a:custGeom>
+        </p:spPr>
+      </p:sp>
+      <p:sp>
+        <p:nvSpPr>
+          <p:cNvPr id="76" name="Google Shape;76;g17e7b95ff23_0_11:notes"/>
+          <p:cNvSpPr txBox="1"/>
+          <p:nvPr>
+            <p:ph idx="1" type="body"/>
+          </p:nvPr>
+        </p:nvSpPr>
+        <p:spPr>
+          <a:xfrm>
+            <a:off x="685800" y="4343400"/>
+            <a:ext cx="5486400" cy="4114800"/>
+          </a:xfrm>
+          <a:prstGeom prst="rect">
+            <a:avLst/>
+          </a:prstGeom>
+        </p:spPr>
+        <p:txBody>
+          <a:bodyPr anchorCtr="0" anchor="t" bIns="91425" lIns="91425" spcFirstLastPara="1" rIns="91425" wrap="square" tIns="91425">
+            <a:noAutofit/>
+          </a:bodyPr>
+          <a:lstStyle/>
+          <a:p>
+            <a:pPr indent="0" lvl="0" marL="0" rtl="0" algn="l">
+              <a:spcBef>
+                <a:spcPts val="0"/>
+              </a:spcBef>
+              <a:spcAft>
+                <a:spcPts val="0"/>
+              </a:spcAft>
+              <a:buNone/>
+            </a:pPr>
+            <a:r>
+              <a:t/>
+            </a:r>
+            <a:endParaRPr/>
+          </a:p>
+        </p:txBody>
+      </p:sp>
+    </p:spTree>
+  </p:cSld>
+  <p:clrMapOvr>
+    <a:masterClrMapping/>
+  </p:clrMapOvr>
+</p:notes>
+</file>
+
+<file path=ppt/notesSlides/notesSlide6.xml><?xml version="1.0" encoding="utf-8"?>
+<p:notes xmlns:a="http://schemas.openxmlformats.org/drawingml/2006/main" xmlns:r="http://schemas.openxmlformats.org/officeDocument/2006/relationships" xmlns:mc="http://schemas.openxmlformats.org/markup-compatibility/2006" xmlns:mv="urn:schemas-microsoft-com:mac:vml" xmlns:p="http://schemas.openxmlformats.org/presentationml/2006/main" xmlns:c="http://schemas.openxmlformats.org/drawingml/2006/chart" xmlns:dgm="http://schemas.openxmlformats.org/drawingml/2006/diagram" xmlns:o="urn:schemas-microsoft-com:office:office" xmlns:v="urn:schemas-microsoft-com:vml" xmlns:pvml="urn:schemas-microsoft-com:office:powerpoint" xmlns:com="http://schemas.openxmlformats.org/drawingml/2006/compatibility" xmlns:p14="http://schemas.microsoft.com/office/powerpoint/2010/main" xmlns:p15="http://schemas.microsoft.com/office/powerpoint/2012/main" xmlns:ahyp="http://schemas.microsoft.com/office/drawing/2018/hyperlinkcolor" showMasterPhAnim="0" showMasterSp="0">
+  <p:cSld>
+    <p:spTree>
+      <p:nvGrpSpPr>
+        <p:cNvPr id="80" name="Shape 80"/>
+        <p:cNvGrpSpPr/>
+        <p:nvPr/>
+      </p:nvGrpSpPr>
+      <p:grpSpPr>
+        <a:xfrm>
+          <a:off x="0" y="0"/>
+          <a:ext cx="0" cy="0"/>
+          <a:chOff x="0" y="0"/>
+          <a:chExt cx="0" cy="0"/>
+        </a:xfrm>
+      </p:grpSpPr>
+      <p:sp>
+        <p:nvSpPr>
+          <p:cNvPr id="81" name="Google Shape;81;p:notes"/>
+          <p:cNvSpPr/>
+          <p:nvPr>
+            <p:ph idx="2" type="sldImg"/>
+          </p:nvPr>
+        </p:nvSpPr>
+        <p:spPr>
+          <a:xfrm>
+            <a:off x="381300" y="685800"/>
+            <a:ext cx="6096075" cy="3429000"/>
+          </a:xfrm>
+          <a:custGeom>
+            <a:rect b="b" l="l" r="r" t="t"/>
+            <a:pathLst>
+              <a:path extrusionOk="0" h="120000" w="120000">
+                <a:moveTo>
+                  <a:pt x="0" y="0"/>
+                </a:moveTo>
+                <a:lnTo>
+                  <a:pt x="120000" y="0"/>
+                </a:lnTo>
+                <a:lnTo>
+                  <a:pt x="120000" y="120000"/>
+                </a:lnTo>
+                <a:lnTo>
+                  <a:pt x="0" y="120000"/>
+                </a:lnTo>
+                <a:close/>
+              </a:path>
+            </a:pathLst>
+          </a:custGeom>
+        </p:spPr>
+      </p:sp>
+      <p:sp>
+        <p:nvSpPr>
+          <p:cNvPr id="82" name="Google Shape;82;p:notes"/>
+          <p:cNvSpPr txBox="1"/>
+          <p:nvPr>
+            <p:ph idx="1" type="body"/>
+          </p:nvPr>
+        </p:nvSpPr>
+        <p:spPr>
+          <a:xfrm>
+            <a:off x="685800" y="4343400"/>
+            <a:ext cx="5486400" cy="4114800"/>
+          </a:xfrm>
+          <a:prstGeom prst="rect">
+            <a:avLst/>
+          </a:prstGeom>
+        </p:spPr>
+        <p:txBody>
+          <a:bodyPr anchorCtr="0" anchor="t" bIns="91425" lIns="91425" spcFirstLastPara="1" rIns="91425" wrap="square" tIns="91425">
+            <a:noAutofit/>
+          </a:bodyPr>
+          <a:lstStyle/>
+          <a:p>
+            <a:pPr indent="0" lvl="0" marL="0" rtl="0" algn="l">
+              <a:spcBef>
+                <a:spcPts val="0"/>
+              </a:spcBef>
+              <a:spcAft>
+                <a:spcPts val="0"/>
+              </a:spcAft>
+              <a:buNone/>
+            </a:pPr>
+            <a:r>
+              <a:t/>
+            </a:r>
+            <a:endParaRPr/>
+          </a:p>
+        </p:txBody>
+      </p:sp>
+    </p:spTree>
+  </p:cSld>
+  <p:clrMapOvr>
+    <a:masterClrMapping/>
+  </p:clrMapOvr>
+</p:notes>
+</file>
+
+<file path=ppt/notesSlides/notesSlide7.xml><?xml version="1.0" encoding="utf-8"?>
+<p:notes xmlns:a="http://schemas.openxmlformats.org/drawingml/2006/main" xmlns:r="http://schemas.openxmlformats.org/officeDocument/2006/relationships" xmlns:mc="http://schemas.openxmlformats.org/markup-compatibility/2006" xmlns:mv="urn:schemas-microsoft-com:mac:vml" xmlns:p="http://schemas.openxmlformats.org/presentationml/2006/main" xmlns:c="http://schemas.openxmlformats.org/drawingml/2006/chart" xmlns:dgm="http://schemas.openxmlformats.org/drawingml/2006/diagram" xmlns:o="urn:schemas-microsoft-com:office:office" xmlns:v="urn:schemas-microsoft-com:vml" xmlns:pvml="urn:schemas-microsoft-com:office:powerpoint" xmlns:com="http://schemas.openxmlformats.org/drawingml/2006/compatibility" xmlns:p14="http://schemas.microsoft.com/office/powerpoint/2010/main" xmlns:p15="http://schemas.microsoft.com/office/powerpoint/2012/main" xmlns:ahyp="http://schemas.microsoft.com/office/drawing/2018/hyperlinkcolor" showMasterPhAnim="0" showMasterSp="0">
+  <p:cSld>
+    <p:spTree>
+      <p:nvGrpSpPr>
+        <p:cNvPr id="86" name="Shape 86"/>
+        <p:cNvGrpSpPr/>
+        <p:nvPr/>
+      </p:nvGrpSpPr>
+      <p:grpSpPr>
+        <a:xfrm>
+          <a:off x="0" y="0"/>
+          <a:ext cx="0" cy="0"/>
+          <a:chOff x="0" y="0"/>
+          <a:chExt cx="0" cy="0"/>
+        </a:xfrm>
+      </p:grpSpPr>
+      <p:sp>
+        <p:nvSpPr>
+          <p:cNvPr id="87" name="Google Shape;87;g17e0f3365e0_0_0:notes"/>
+          <p:cNvSpPr/>
+          <p:nvPr>
+            <p:ph idx="2" type="sldImg"/>
+          </p:nvPr>
+        </p:nvSpPr>
+        <p:spPr>
+          <a:xfrm>
+            <a:off x="381300" y="685800"/>
+            <a:ext cx="6096000" cy="3429000"/>
+          </a:xfrm>
+          <a:custGeom>
+            <a:rect b="b" l="l" r="r" t="t"/>
+            <a:pathLst>
+              <a:path extrusionOk="0" h="120000" w="120000">
+                <a:moveTo>
+                  <a:pt x="0" y="0"/>
+                </a:moveTo>
+                <a:lnTo>
+                  <a:pt x="120000" y="0"/>
+                </a:lnTo>
+                <a:lnTo>
+                  <a:pt x="120000" y="120000"/>
+                </a:lnTo>
+                <a:lnTo>
+                  <a:pt x="0" y="120000"/>
+                </a:lnTo>
+                <a:close/>
+              </a:path>
+            </a:pathLst>
+          </a:custGeom>
+        </p:spPr>
+      </p:sp>
+      <p:sp>
+        <p:nvSpPr>
+          <p:cNvPr id="88" name="Google Shape;88;g17e0f3365e0_0_0:notes"/>
+          <p:cNvSpPr txBox="1"/>
+          <p:nvPr>
+            <p:ph idx="1" type="body"/>
+          </p:nvPr>
+        </p:nvSpPr>
+        <p:spPr>
+          <a:xfrm>
+            <a:off x="685800" y="4343400"/>
+            <a:ext cx="5486400" cy="4114800"/>
+          </a:xfrm>
+          <a:prstGeom prst="rect">
+            <a:avLst/>
+          </a:prstGeom>
+        </p:spPr>
+        <p:txBody>
+          <a:bodyPr anchorCtr="0" anchor="t" bIns="91425" lIns="91425" spcFirstLastPara="1" rIns="91425" wrap="square" tIns="91425">
+            <a:noAutofit/>
+          </a:bodyPr>
+          <a:lstStyle/>
+          <a:p>
+            <a:pPr indent="0" lvl="0" marL="0" rtl="0" algn="l">
+              <a:spcBef>
+                <a:spcPts val="0"/>
+              </a:spcBef>
+              <a:spcAft>
+                <a:spcPts val="0"/>
+              </a:spcAft>
+              <a:buNone/>
+            </a:pPr>
+            <a:r>
+              <a:t/>
+            </a:r>
+            <a:endParaRPr/>
+          </a:p>
+        </p:txBody>
+      </p:sp>
+    </p:spTree>
+  </p:cSld>
+  <p:clrMapOvr>
+    <a:masterClrMapping/>
+  </p:clrMapOvr>
+</p:notes>
+</file>
+
+<file path=ppt/notesSlides/notesSlide8.xml><?xml version="1.0" encoding="utf-8"?>
+<p:notes xmlns:a="http://schemas.openxmlformats.org/drawingml/2006/main" xmlns:r="http://schemas.openxmlformats.org/officeDocument/2006/relationships" xmlns:mc="http://schemas.openxmlformats.org/markup-compatibility/2006" xmlns:mv="urn:schemas-microsoft-com:mac:vml" xmlns:p="http://schemas.openxmlformats.org/presentationml/2006/main" xmlns:c="http://schemas.openxmlformats.org/drawingml/2006/chart" xmlns:dgm="http://schemas.openxmlformats.org/drawingml/2006/diagram" xmlns:o="urn:schemas-microsoft-com:office:office" xmlns:v="urn:schemas-microsoft-com:vml" xmlns:pvml="urn:schemas-microsoft-com:office:powerpoint" xmlns:com="http://schemas.openxmlformats.org/drawingml/2006/compatibility" xmlns:p14="http://schemas.microsoft.com/office/powerpoint/2010/main" xmlns:p15="http://schemas.microsoft.com/office/powerpoint/2012/main" xmlns:ahyp="http://schemas.microsoft.com/office/drawing/2018/hyperlinkcolor" showMasterPhAnim="0" showMasterSp="0">
+  <p:cSld>
+    <p:spTree>
+      <p:nvGrpSpPr>
+        <p:cNvPr id="105" name="Shape 105"/>
+        <p:cNvGrpSpPr/>
+        <p:nvPr/>
+      </p:nvGrpSpPr>
+      <p:grpSpPr>
+        <a:xfrm>
+          <a:off x="0" y="0"/>
+          <a:ext cx="0" cy="0"/>
+          <a:chOff x="0" y="0"/>
+          <a:chExt cx="0" cy="0"/>
+        </a:xfrm>
+      </p:grpSpPr>
+      <p:sp>
+        <p:nvSpPr>
+          <p:cNvPr id="106" name="Google Shape;106;g17e0f3365e0_0_15:notes"/>
+          <p:cNvSpPr/>
+          <p:nvPr>
+            <p:ph idx="2" type="sldImg"/>
+          </p:nvPr>
+        </p:nvSpPr>
+        <p:spPr>
+          <a:xfrm>
+            <a:off x="381300" y="685800"/>
+            <a:ext cx="6096000" cy="3429000"/>
+          </a:xfrm>
+          <a:custGeom>
+            <a:rect b="b" l="l" r="r" t="t"/>
+            <a:pathLst>
+              <a:path extrusionOk="0" h="120000" w="120000">
+                <a:moveTo>
+                  <a:pt x="0" y="0"/>
+                </a:moveTo>
+                <a:lnTo>
+                  <a:pt x="120000" y="0"/>
+                </a:lnTo>
+                <a:lnTo>
+                  <a:pt x="120000" y="120000"/>
+                </a:lnTo>
+                <a:lnTo>
+                  <a:pt x="0" y="120000"/>
+                </a:lnTo>
+                <a:close/>
+              </a:path>
+            </a:pathLst>
+          </a:custGeom>
+        </p:spPr>
+      </p:sp>
+      <p:sp>
+        <p:nvSpPr>
+          <p:cNvPr id="107" name="Google Shape;107;g17e0f3365e0_0_15:notes"/>
           <p:cNvSpPr txBox="1"/>
           <p:nvPr>
             <p:ph idx="1" type="body"/>
@@ -5685,7 +6185,7 @@
             </a:pPr>
             <a:r>
               <a:rPr lang="en"/>
-              <a:t>Draft of Dashboard</a:t>
+              <a:t>Presentation Draft</a:t>
             </a:r>
             <a:endParaRPr/>
           </a:p>
@@ -5724,8 +6224,7 @@
               <a:buNone/>
             </a:pPr>
             <a:r>
-              <a:rPr lang="en"/>
-              <a:t>2 options for dashboard</a:t>
+              <a:t/>
             </a:r>
             <a:endParaRPr/>
           </a:p>
@@ -5761,6 +6260,578 @@
           <p:cNvPr id="60" name="Google Shape;60;p14"/>
           <p:cNvSpPr txBox="1"/>
           <p:nvPr>
+            <p:ph type="ctrTitle"/>
+          </p:nvPr>
+        </p:nvSpPr>
+        <p:spPr>
+          <a:xfrm>
+            <a:off x="311708" y="744575"/>
+            <a:ext cx="8520600" cy="2052600"/>
+          </a:xfrm>
+          <a:prstGeom prst="rect">
+            <a:avLst/>
+          </a:prstGeom>
+        </p:spPr>
+        <p:txBody>
+          <a:bodyPr anchorCtr="0" anchor="b" bIns="91425" lIns="91425" spcFirstLastPara="1" rIns="91425" wrap="square" tIns="91425">
+            <a:normAutofit/>
+          </a:bodyPr>
+          <a:lstStyle/>
+          <a:p>
+            <a:pPr indent="0" lvl="0" marL="0" rtl="0" algn="ctr">
+              <a:spcBef>
+                <a:spcPts val="0"/>
+              </a:spcBef>
+              <a:spcAft>
+                <a:spcPts val="0"/>
+              </a:spcAft>
+              <a:buNone/>
+            </a:pPr>
+            <a:r>
+              <a:rPr lang="en"/>
+              <a:t>Topic</a:t>
+            </a:r>
+            <a:endParaRPr/>
+          </a:p>
+        </p:txBody>
+      </p:sp>
+      <p:sp>
+        <p:nvSpPr>
+          <p:cNvPr id="61" name="Google Shape;61;p14"/>
+          <p:cNvSpPr txBox="1"/>
+          <p:nvPr>
+            <p:ph idx="1" type="subTitle"/>
+          </p:nvPr>
+        </p:nvSpPr>
+        <p:spPr>
+          <a:xfrm>
+            <a:off x="311700" y="2834125"/>
+            <a:ext cx="8520600" cy="792600"/>
+          </a:xfrm>
+          <a:prstGeom prst="rect">
+            <a:avLst/>
+          </a:prstGeom>
+        </p:spPr>
+        <p:txBody>
+          <a:bodyPr anchorCtr="0" anchor="t" bIns="91425" lIns="91425" spcFirstLastPara="1" rIns="91425" wrap="square" tIns="91425">
+            <a:normAutofit/>
+          </a:bodyPr>
+          <a:lstStyle/>
+          <a:p>
+            <a:pPr indent="0" lvl="0" marL="0" rtl="0" algn="ctr">
+              <a:spcBef>
+                <a:spcPts val="0"/>
+              </a:spcBef>
+              <a:spcAft>
+                <a:spcPts val="0"/>
+              </a:spcAft>
+              <a:buNone/>
+            </a:pPr>
+            <a:r>
+              <a:rPr lang="en"/>
+              <a:t>Questions we want to answer</a:t>
+            </a:r>
+            <a:endParaRPr/>
+          </a:p>
+        </p:txBody>
+      </p:sp>
+    </p:spTree>
+  </p:cSld>
+  <p:clrMapOvr>
+    <a:masterClrMapping/>
+  </p:clrMapOvr>
+</p:sld>
+</file>
+
+<file path=ppt/slides/slide3.xml><?xml version="1.0" encoding="utf-8"?>
+<p:sld xmlns:a="http://schemas.openxmlformats.org/drawingml/2006/main" xmlns:r="http://schemas.openxmlformats.org/officeDocument/2006/relationships" xmlns:mc="http://schemas.openxmlformats.org/markup-compatibility/2006" xmlns:mv="urn:schemas-microsoft-com:mac:vml" xmlns:p="http://schemas.openxmlformats.org/presentationml/2006/main" xmlns:c="http://schemas.openxmlformats.org/drawingml/2006/chart" xmlns:dgm="http://schemas.openxmlformats.org/drawingml/2006/diagram" xmlns:o="urn:schemas-microsoft-com:office:office" xmlns:v="urn:schemas-microsoft-com:vml" xmlns:pvml="urn:schemas-microsoft-com:office:powerpoint" xmlns:com="http://schemas.openxmlformats.org/drawingml/2006/compatibility" xmlns:p14="http://schemas.microsoft.com/office/powerpoint/2010/main" xmlns:p15="http://schemas.microsoft.com/office/powerpoint/2012/main" xmlns:ahyp="http://schemas.microsoft.com/office/drawing/2018/hyperlinkcolor">
+  <p:cSld>
+    <p:spTree>
+      <p:nvGrpSpPr>
+        <p:cNvPr id="65" name="Shape 65"/>
+        <p:cNvGrpSpPr/>
+        <p:nvPr/>
+      </p:nvGrpSpPr>
+      <p:grpSpPr>
+        <a:xfrm>
+          <a:off x="0" y="0"/>
+          <a:ext cx="0" cy="0"/>
+          <a:chOff x="0" y="0"/>
+          <a:chExt cx="0" cy="0"/>
+        </a:xfrm>
+      </p:grpSpPr>
+      <p:sp>
+        <p:nvSpPr>
+          <p:cNvPr id="66" name="Google Shape;66;p15"/>
+          <p:cNvSpPr txBox="1"/>
+          <p:nvPr>
+            <p:ph type="ctrTitle"/>
+          </p:nvPr>
+        </p:nvSpPr>
+        <p:spPr>
+          <a:xfrm>
+            <a:off x="311708" y="744575"/>
+            <a:ext cx="8520600" cy="2052600"/>
+          </a:xfrm>
+          <a:prstGeom prst="rect">
+            <a:avLst/>
+          </a:prstGeom>
+        </p:spPr>
+        <p:txBody>
+          <a:bodyPr anchorCtr="0" anchor="b" bIns="91425" lIns="91425" spcFirstLastPara="1" rIns="91425" wrap="square" tIns="91425">
+            <a:normAutofit/>
+          </a:bodyPr>
+          <a:lstStyle/>
+          <a:p>
+            <a:pPr indent="0" lvl="0" marL="0" rtl="0" algn="ctr">
+              <a:spcBef>
+                <a:spcPts val="0"/>
+              </a:spcBef>
+              <a:spcAft>
+                <a:spcPts val="0"/>
+              </a:spcAft>
+              <a:buNone/>
+            </a:pPr>
+            <a:r>
+              <a:rPr lang="en"/>
+              <a:t>GitHub</a:t>
+            </a:r>
+            <a:endParaRPr/>
+          </a:p>
+        </p:txBody>
+      </p:sp>
+      <p:sp>
+        <p:nvSpPr>
+          <p:cNvPr id="67" name="Google Shape;67;p15"/>
+          <p:cNvSpPr txBox="1"/>
+          <p:nvPr>
+            <p:ph idx="1" type="subTitle"/>
+          </p:nvPr>
+        </p:nvSpPr>
+        <p:spPr>
+          <a:xfrm>
+            <a:off x="311700" y="2834125"/>
+            <a:ext cx="8520600" cy="792600"/>
+          </a:xfrm>
+          <a:prstGeom prst="rect">
+            <a:avLst/>
+          </a:prstGeom>
+        </p:spPr>
+        <p:txBody>
+          <a:bodyPr anchorCtr="0" anchor="t" bIns="91425" lIns="91425" spcFirstLastPara="1" rIns="91425" wrap="square" tIns="91425">
+            <a:normAutofit/>
+          </a:bodyPr>
+          <a:lstStyle/>
+          <a:p>
+            <a:pPr indent="0" lvl="0" marL="0" rtl="0" algn="ctr">
+              <a:spcBef>
+                <a:spcPts val="0"/>
+              </a:spcBef>
+              <a:spcAft>
+                <a:spcPts val="0"/>
+              </a:spcAft>
+              <a:buNone/>
+            </a:pPr>
+            <a:r>
+              <a:rPr lang="en"/>
+              <a:t>3 points on managing branches</a:t>
+            </a:r>
+            <a:endParaRPr/>
+          </a:p>
+        </p:txBody>
+      </p:sp>
+    </p:spTree>
+  </p:cSld>
+  <p:clrMapOvr>
+    <a:masterClrMapping/>
+  </p:clrMapOvr>
+</p:sld>
+</file>
+
+<file path=ppt/slides/slide4.xml><?xml version="1.0" encoding="utf-8"?>
+<p:sld xmlns:a="http://schemas.openxmlformats.org/drawingml/2006/main" xmlns:r="http://schemas.openxmlformats.org/officeDocument/2006/relationships" xmlns:mc="http://schemas.openxmlformats.org/markup-compatibility/2006" xmlns:mv="urn:schemas-microsoft-com:mac:vml" xmlns:p="http://schemas.openxmlformats.org/presentationml/2006/main" xmlns:c="http://schemas.openxmlformats.org/drawingml/2006/chart" xmlns:dgm="http://schemas.openxmlformats.org/drawingml/2006/diagram" xmlns:o="urn:schemas-microsoft-com:office:office" xmlns:v="urn:schemas-microsoft-com:vml" xmlns:pvml="urn:schemas-microsoft-com:office:powerpoint" xmlns:com="http://schemas.openxmlformats.org/drawingml/2006/compatibility" xmlns:p14="http://schemas.microsoft.com/office/powerpoint/2010/main" xmlns:p15="http://schemas.microsoft.com/office/powerpoint/2012/main" xmlns:ahyp="http://schemas.microsoft.com/office/drawing/2018/hyperlinkcolor">
+  <p:cSld>
+    <p:spTree>
+      <p:nvGrpSpPr>
+        <p:cNvPr id="71" name="Shape 71"/>
+        <p:cNvGrpSpPr/>
+        <p:nvPr/>
+      </p:nvGrpSpPr>
+      <p:grpSpPr>
+        <a:xfrm>
+          <a:off x="0" y="0"/>
+          <a:ext cx="0" cy="0"/>
+          <a:chOff x="0" y="0"/>
+          <a:chExt cx="0" cy="0"/>
+        </a:xfrm>
+      </p:grpSpPr>
+      <p:sp>
+        <p:nvSpPr>
+          <p:cNvPr id="72" name="Google Shape;72;p16"/>
+          <p:cNvSpPr txBox="1"/>
+          <p:nvPr>
+            <p:ph type="ctrTitle"/>
+          </p:nvPr>
+        </p:nvSpPr>
+        <p:spPr>
+          <a:xfrm>
+            <a:off x="311708" y="744575"/>
+            <a:ext cx="8520600" cy="2052600"/>
+          </a:xfrm>
+          <a:prstGeom prst="rect">
+            <a:avLst/>
+          </a:prstGeom>
+        </p:spPr>
+        <p:txBody>
+          <a:bodyPr anchorCtr="0" anchor="b" bIns="91425" lIns="91425" spcFirstLastPara="1" rIns="91425" wrap="square" tIns="91425">
+            <a:normAutofit/>
+          </a:bodyPr>
+          <a:lstStyle/>
+          <a:p>
+            <a:pPr indent="0" lvl="0" marL="0" rtl="0" algn="ctr">
+              <a:spcBef>
+                <a:spcPts val="0"/>
+              </a:spcBef>
+              <a:spcAft>
+                <a:spcPts val="0"/>
+              </a:spcAft>
+              <a:buNone/>
+            </a:pPr>
+            <a:r>
+              <a:rPr lang="en"/>
+              <a:t>Database</a:t>
+            </a:r>
+            <a:endParaRPr/>
+          </a:p>
+        </p:txBody>
+      </p:sp>
+      <p:sp>
+        <p:nvSpPr>
+          <p:cNvPr id="73" name="Google Shape;73;p16"/>
+          <p:cNvSpPr txBox="1"/>
+          <p:nvPr>
+            <p:ph idx="1" type="subTitle"/>
+          </p:nvPr>
+        </p:nvSpPr>
+        <p:spPr>
+          <a:xfrm>
+            <a:off x="311700" y="2834125"/>
+            <a:ext cx="8520600" cy="792600"/>
+          </a:xfrm>
+          <a:prstGeom prst="rect">
+            <a:avLst/>
+          </a:prstGeom>
+        </p:spPr>
+        <p:txBody>
+          <a:bodyPr anchorCtr="0" anchor="t" bIns="91425" lIns="91425" spcFirstLastPara="1" rIns="91425" wrap="square" tIns="91425">
+            <a:normAutofit fontScale="85000" lnSpcReduction="20000"/>
+          </a:bodyPr>
+          <a:lstStyle/>
+          <a:p>
+            <a:pPr indent="0" lvl="0" marL="0" rtl="0" algn="ctr">
+              <a:spcBef>
+                <a:spcPts val="0"/>
+              </a:spcBef>
+              <a:spcAft>
+                <a:spcPts val="0"/>
+              </a:spcAft>
+              <a:buNone/>
+            </a:pPr>
+            <a:r>
+              <a:rPr lang="en"/>
+              <a:t>3 points on why we used the data</a:t>
+            </a:r>
+            <a:endParaRPr/>
+          </a:p>
+          <a:p>
+            <a:pPr indent="0" lvl="0" marL="0" rtl="0" algn="ctr">
+              <a:spcBef>
+                <a:spcPts val="0"/>
+              </a:spcBef>
+              <a:spcAft>
+                <a:spcPts val="0"/>
+              </a:spcAft>
+              <a:buNone/>
+            </a:pPr>
+            <a:r>
+              <a:rPr lang="en"/>
+              <a:t>Why are we using the database</a:t>
+            </a:r>
+            <a:endParaRPr/>
+          </a:p>
+        </p:txBody>
+      </p:sp>
+    </p:spTree>
+  </p:cSld>
+  <p:clrMapOvr>
+    <a:masterClrMapping/>
+  </p:clrMapOvr>
+</p:sld>
+</file>
+
+<file path=ppt/slides/slide5.xml><?xml version="1.0" encoding="utf-8"?>
+<p:sld xmlns:a="http://schemas.openxmlformats.org/drawingml/2006/main" xmlns:r="http://schemas.openxmlformats.org/officeDocument/2006/relationships" xmlns:mc="http://schemas.openxmlformats.org/markup-compatibility/2006" xmlns:mv="urn:schemas-microsoft-com:mac:vml" xmlns:p="http://schemas.openxmlformats.org/presentationml/2006/main" xmlns:c="http://schemas.openxmlformats.org/drawingml/2006/chart" xmlns:dgm="http://schemas.openxmlformats.org/drawingml/2006/diagram" xmlns:o="urn:schemas-microsoft-com:office:office" xmlns:v="urn:schemas-microsoft-com:vml" xmlns:pvml="urn:schemas-microsoft-com:office:powerpoint" xmlns:com="http://schemas.openxmlformats.org/drawingml/2006/compatibility" xmlns:p14="http://schemas.microsoft.com/office/powerpoint/2010/main" xmlns:p15="http://schemas.microsoft.com/office/powerpoint/2012/main" xmlns:ahyp="http://schemas.microsoft.com/office/drawing/2018/hyperlinkcolor">
+  <p:cSld>
+    <p:spTree>
+      <p:nvGrpSpPr>
+        <p:cNvPr id="77" name="Shape 77"/>
+        <p:cNvGrpSpPr/>
+        <p:nvPr/>
+      </p:nvGrpSpPr>
+      <p:grpSpPr>
+        <a:xfrm>
+          <a:off x="0" y="0"/>
+          <a:ext cx="0" cy="0"/>
+          <a:chOff x="0" y="0"/>
+          <a:chExt cx="0" cy="0"/>
+        </a:xfrm>
+      </p:grpSpPr>
+      <p:sp>
+        <p:nvSpPr>
+          <p:cNvPr id="78" name="Google Shape;78;p17"/>
+          <p:cNvSpPr txBox="1"/>
+          <p:nvPr>
+            <p:ph type="ctrTitle"/>
+          </p:nvPr>
+        </p:nvSpPr>
+        <p:spPr>
+          <a:xfrm>
+            <a:off x="311708" y="744575"/>
+            <a:ext cx="8520600" cy="2052600"/>
+          </a:xfrm>
+          <a:prstGeom prst="rect">
+            <a:avLst/>
+          </a:prstGeom>
+        </p:spPr>
+        <p:txBody>
+          <a:bodyPr anchorCtr="0" anchor="b" bIns="91425" lIns="91425" spcFirstLastPara="1" rIns="91425" wrap="square" tIns="91425">
+            <a:normAutofit/>
+          </a:bodyPr>
+          <a:lstStyle/>
+          <a:p>
+            <a:pPr indent="0" lvl="0" marL="0" rtl="0" algn="ctr">
+              <a:spcBef>
+                <a:spcPts val="0"/>
+              </a:spcBef>
+              <a:spcAft>
+                <a:spcPts val="0"/>
+              </a:spcAft>
+              <a:buNone/>
+            </a:pPr>
+            <a:r>
+              <a:rPr lang="en"/>
+              <a:t>Machine Learning</a:t>
+            </a:r>
+            <a:endParaRPr/>
+          </a:p>
+        </p:txBody>
+      </p:sp>
+      <p:sp>
+        <p:nvSpPr>
+          <p:cNvPr id="79" name="Google Shape;79;p17"/>
+          <p:cNvSpPr txBox="1"/>
+          <p:nvPr>
+            <p:ph idx="1" type="subTitle"/>
+          </p:nvPr>
+        </p:nvSpPr>
+        <p:spPr>
+          <a:xfrm>
+            <a:off x="311700" y="2834125"/>
+            <a:ext cx="8520600" cy="1525800"/>
+          </a:xfrm>
+          <a:prstGeom prst="rect">
+            <a:avLst/>
+          </a:prstGeom>
+        </p:spPr>
+        <p:txBody>
+          <a:bodyPr anchorCtr="0" anchor="t" bIns="91425" lIns="91425" spcFirstLastPara="1" rIns="91425" wrap="square" tIns="91425">
+            <a:normAutofit/>
+          </a:bodyPr>
+          <a:lstStyle/>
+          <a:p>
+            <a:pPr indent="0" lvl="0" marL="0" rtl="0" algn="ctr">
+              <a:spcBef>
+                <a:spcPts val="0"/>
+              </a:spcBef>
+              <a:spcAft>
+                <a:spcPts val="0"/>
+              </a:spcAft>
+              <a:buNone/>
+            </a:pPr>
+            <a:r>
+              <a:rPr lang="en"/>
+              <a:t>3 points why we picked the model</a:t>
+            </a:r>
+            <a:endParaRPr/>
+          </a:p>
+          <a:p>
+            <a:pPr indent="0" lvl="0" marL="0" rtl="0" algn="ctr">
+              <a:spcBef>
+                <a:spcPts val="0"/>
+              </a:spcBef>
+              <a:spcAft>
+                <a:spcPts val="0"/>
+              </a:spcAft>
+              <a:buNone/>
+            </a:pPr>
+            <a:r>
+              <a:rPr lang="en"/>
+              <a:t>Preprocessing data</a:t>
+            </a:r>
+            <a:endParaRPr/>
+          </a:p>
+          <a:p>
+            <a:pPr indent="0" lvl="0" marL="0" rtl="0" algn="ctr">
+              <a:spcBef>
+                <a:spcPts val="0"/>
+              </a:spcBef>
+              <a:spcAft>
+                <a:spcPts val="0"/>
+              </a:spcAft>
+              <a:buNone/>
+            </a:pPr>
+            <a:r>
+              <a:t/>
+            </a:r>
+            <a:endParaRPr/>
+          </a:p>
+        </p:txBody>
+      </p:sp>
+    </p:spTree>
+  </p:cSld>
+  <p:clrMapOvr>
+    <a:masterClrMapping/>
+  </p:clrMapOvr>
+</p:sld>
+</file>
+
+<file path=ppt/slides/slide6.xml><?xml version="1.0" encoding="utf-8"?>
+<p:sld xmlns:a="http://schemas.openxmlformats.org/drawingml/2006/main" xmlns:r="http://schemas.openxmlformats.org/officeDocument/2006/relationships" xmlns:mc="http://schemas.openxmlformats.org/markup-compatibility/2006" xmlns:mv="urn:schemas-microsoft-com:mac:vml" xmlns:p="http://schemas.openxmlformats.org/presentationml/2006/main" xmlns:c="http://schemas.openxmlformats.org/drawingml/2006/chart" xmlns:dgm="http://schemas.openxmlformats.org/drawingml/2006/diagram" xmlns:o="urn:schemas-microsoft-com:office:office" xmlns:v="urn:schemas-microsoft-com:vml" xmlns:pvml="urn:schemas-microsoft-com:office:powerpoint" xmlns:com="http://schemas.openxmlformats.org/drawingml/2006/compatibility" xmlns:p14="http://schemas.microsoft.com/office/powerpoint/2010/main" xmlns:p15="http://schemas.microsoft.com/office/powerpoint/2012/main" xmlns:ahyp="http://schemas.microsoft.com/office/drawing/2018/hyperlinkcolor">
+  <p:cSld>
+    <p:spTree>
+      <p:nvGrpSpPr>
+        <p:cNvPr id="83" name="Shape 83"/>
+        <p:cNvGrpSpPr/>
+        <p:nvPr/>
+      </p:nvGrpSpPr>
+      <p:grpSpPr>
+        <a:xfrm>
+          <a:off x="0" y="0"/>
+          <a:ext cx="0" cy="0"/>
+          <a:chOff x="0" y="0"/>
+          <a:chExt cx="0" cy="0"/>
+        </a:xfrm>
+      </p:grpSpPr>
+      <p:sp>
+        <p:nvSpPr>
+          <p:cNvPr id="84" name="Google Shape;84;p18"/>
+          <p:cNvSpPr txBox="1"/>
+          <p:nvPr>
+            <p:ph type="ctrTitle"/>
+          </p:nvPr>
+        </p:nvSpPr>
+        <p:spPr>
+          <a:xfrm>
+            <a:off x="311708" y="744575"/>
+            <a:ext cx="8520600" cy="2052600"/>
+          </a:xfrm>
+          <a:prstGeom prst="rect">
+            <a:avLst/>
+          </a:prstGeom>
+        </p:spPr>
+        <p:txBody>
+          <a:bodyPr anchorCtr="0" anchor="b" bIns="91425" lIns="91425" spcFirstLastPara="1" rIns="91425" wrap="square" tIns="91425">
+            <a:normAutofit/>
+          </a:bodyPr>
+          <a:lstStyle/>
+          <a:p>
+            <a:pPr indent="0" lvl="0" marL="0" rtl="0" algn="ctr">
+              <a:spcBef>
+                <a:spcPts val="0"/>
+              </a:spcBef>
+              <a:spcAft>
+                <a:spcPts val="0"/>
+              </a:spcAft>
+              <a:buNone/>
+            </a:pPr>
+            <a:r>
+              <a:rPr lang="en"/>
+              <a:t>Draft of Dashboard</a:t>
+            </a:r>
+            <a:endParaRPr/>
+          </a:p>
+        </p:txBody>
+      </p:sp>
+      <p:sp>
+        <p:nvSpPr>
+          <p:cNvPr id="85" name="Google Shape;85;p18"/>
+          <p:cNvSpPr txBox="1"/>
+          <p:nvPr>
+            <p:ph idx="1" type="subTitle"/>
+          </p:nvPr>
+        </p:nvSpPr>
+        <p:spPr>
+          <a:xfrm>
+            <a:off x="311700" y="2834125"/>
+            <a:ext cx="8520600" cy="792600"/>
+          </a:xfrm>
+          <a:prstGeom prst="rect">
+            <a:avLst/>
+          </a:prstGeom>
+        </p:spPr>
+        <p:txBody>
+          <a:bodyPr anchorCtr="0" anchor="t" bIns="91425" lIns="91425" spcFirstLastPara="1" rIns="91425" wrap="square" tIns="91425">
+            <a:normAutofit/>
+          </a:bodyPr>
+          <a:lstStyle/>
+          <a:p>
+            <a:pPr indent="0" lvl="0" marL="0" rtl="0" algn="ctr">
+              <a:spcBef>
+                <a:spcPts val="0"/>
+              </a:spcBef>
+              <a:spcAft>
+                <a:spcPts val="0"/>
+              </a:spcAft>
+              <a:buNone/>
+            </a:pPr>
+            <a:r>
+              <a:rPr lang="en"/>
+              <a:t>2 options for dashboard</a:t>
+            </a:r>
+            <a:endParaRPr/>
+          </a:p>
+        </p:txBody>
+      </p:sp>
+    </p:spTree>
+  </p:cSld>
+  <p:clrMapOvr>
+    <a:masterClrMapping/>
+  </p:clrMapOvr>
+</p:sld>
+</file>
+
+<file path=ppt/slides/slide7.xml><?xml version="1.0" encoding="utf-8"?>
+<p:sld xmlns:a="http://schemas.openxmlformats.org/drawingml/2006/main" xmlns:r="http://schemas.openxmlformats.org/officeDocument/2006/relationships" xmlns:mc="http://schemas.openxmlformats.org/markup-compatibility/2006" xmlns:mv="urn:schemas-microsoft-com:mac:vml" xmlns:p="http://schemas.openxmlformats.org/presentationml/2006/main" xmlns:c="http://schemas.openxmlformats.org/drawingml/2006/chart" xmlns:dgm="http://schemas.openxmlformats.org/drawingml/2006/diagram" xmlns:o="urn:schemas-microsoft-com:office:office" xmlns:v="urn:schemas-microsoft-com:vml" xmlns:pvml="urn:schemas-microsoft-com:office:powerpoint" xmlns:com="http://schemas.openxmlformats.org/drawingml/2006/compatibility" xmlns:p14="http://schemas.microsoft.com/office/powerpoint/2010/main" xmlns:p15="http://schemas.microsoft.com/office/powerpoint/2012/main" xmlns:ahyp="http://schemas.microsoft.com/office/drawing/2018/hyperlinkcolor">
+  <p:cSld>
+    <p:spTree>
+      <p:nvGrpSpPr>
+        <p:cNvPr id="89" name="Shape 89"/>
+        <p:cNvGrpSpPr/>
+        <p:nvPr/>
+      </p:nvGrpSpPr>
+      <p:grpSpPr>
+        <a:xfrm>
+          <a:off x="0" y="0"/>
+          <a:ext cx="0" cy="0"/>
+          <a:chOff x="0" y="0"/>
+          <a:chExt cx="0" cy="0"/>
+        </a:xfrm>
+      </p:grpSpPr>
+      <p:sp>
+        <p:nvSpPr>
+          <p:cNvPr id="90" name="Google Shape;90;p19"/>
+          <p:cNvSpPr txBox="1"/>
+          <p:nvPr>
             <p:ph type="title"/>
           </p:nvPr>
         </p:nvSpPr>
@@ -5806,7 +6877,7 @@
       </p:sp>
       <p:sp>
         <p:nvSpPr>
-          <p:cNvPr id="61" name="Google Shape;61;p14"/>
+          <p:cNvPr id="91" name="Google Shape;91;p19"/>
           <p:cNvSpPr txBox="1"/>
           <p:nvPr>
             <p:ph idx="1" type="body"/>
@@ -5845,7 +6916,7 @@
       </p:sp>
       <p:sp>
         <p:nvSpPr>
-          <p:cNvPr id="62" name="Google Shape;62;p14"/>
+          <p:cNvPr id="92" name="Google Shape;92;p19"/>
           <p:cNvSpPr txBox="1"/>
           <p:nvPr/>
         </p:nvSpPr>
@@ -5887,7 +6958,7 @@
       </p:sp>
       <p:sp>
         <p:nvSpPr>
-          <p:cNvPr id="63" name="Google Shape;63;p14"/>
+          <p:cNvPr id="93" name="Google Shape;93;p19"/>
           <p:cNvSpPr txBox="1"/>
           <p:nvPr/>
         </p:nvSpPr>
@@ -5928,7 +6999,7 @@
       </p:sp>
       <p:pic>
         <p:nvPicPr>
-          <p:cNvPr id="64" name="Google Shape;64;p14"/>
+          <p:cNvPr id="94" name="Google Shape;94;p19"/>
           <p:cNvPicPr preferRelativeResize="0"/>
           <p:nvPr/>
         </p:nvPicPr>
@@ -5955,7 +7026,7 @@
       </p:pic>
       <p:sp>
         <p:nvSpPr>
-          <p:cNvPr id="65" name="Google Shape;65;p14"/>
+          <p:cNvPr id="95" name="Google Shape;95;p19"/>
           <p:cNvSpPr txBox="1"/>
           <p:nvPr/>
         </p:nvSpPr>
@@ -5996,7 +7067,7 @@
       </p:sp>
       <p:pic>
         <p:nvPicPr>
-          <p:cNvPr id="66" name="Google Shape;66;p14"/>
+          <p:cNvPr id="96" name="Google Shape;96;p19"/>
           <p:cNvPicPr preferRelativeResize="0"/>
           <p:nvPr/>
         </p:nvPicPr>
@@ -6024,7 +7095,7 @@
       </p:pic>
       <p:pic>
         <p:nvPicPr>
-          <p:cNvPr id="67" name="Google Shape;67;p14"/>
+          <p:cNvPr id="97" name="Google Shape;97;p19"/>
           <p:cNvPicPr preferRelativeResize="0"/>
           <p:nvPr/>
         </p:nvPicPr>
@@ -6052,7 +7123,7 @@
       </p:pic>
       <p:pic>
         <p:nvPicPr>
-          <p:cNvPr id="68" name="Google Shape;68;p14"/>
+          <p:cNvPr id="98" name="Google Shape;98;p19"/>
           <p:cNvPicPr preferRelativeResize="0"/>
           <p:nvPr/>
         </p:nvPicPr>
@@ -6080,7 +7151,7 @@
       </p:pic>
       <p:sp>
         <p:nvSpPr>
-          <p:cNvPr id="69" name="Google Shape;69;p14"/>
+          <p:cNvPr id="99" name="Google Shape;99;p19"/>
           <p:cNvSpPr/>
           <p:nvPr/>
         </p:nvSpPr>
@@ -6130,7 +7201,7 @@
       </p:sp>
       <p:sp>
         <p:nvSpPr>
-          <p:cNvPr id="70" name="Google Shape;70;p14"/>
+          <p:cNvPr id="100" name="Google Shape;100;p19"/>
           <p:cNvSpPr/>
           <p:nvPr/>
         </p:nvSpPr>
@@ -6180,7 +7251,7 @@
       </p:sp>
       <p:sp>
         <p:nvSpPr>
-          <p:cNvPr id="71" name="Google Shape;71;p14"/>
+          <p:cNvPr id="101" name="Google Shape;101;p19"/>
           <p:cNvSpPr txBox="1"/>
           <p:nvPr/>
         </p:nvSpPr>
@@ -6221,7 +7292,7 @@
       </p:sp>
       <p:sp>
         <p:nvSpPr>
-          <p:cNvPr id="72" name="Google Shape;72;p14"/>
+          <p:cNvPr id="102" name="Google Shape;102;p19"/>
           <p:cNvSpPr txBox="1"/>
           <p:nvPr/>
         </p:nvSpPr>
@@ -6279,7 +7350,7 @@
       </p:sp>
       <p:sp>
         <p:nvSpPr>
-          <p:cNvPr id="73" name="Google Shape;73;p14"/>
+          <p:cNvPr id="103" name="Google Shape;103;p19"/>
           <p:cNvSpPr txBox="1"/>
           <p:nvPr/>
         </p:nvSpPr>
@@ -6321,7 +7392,7 @@
       </p:sp>
       <p:sp>
         <p:nvSpPr>
-          <p:cNvPr id="74" name="Google Shape;74;p14"/>
+          <p:cNvPr id="104" name="Google Shape;104;p19"/>
           <p:cNvSpPr txBox="1"/>
           <p:nvPr/>
         </p:nvSpPr>
@@ -6369,12 +7440,12 @@
 </p:sld>
 </file>
 
-<file path=ppt/slides/slide3.xml><?xml version="1.0" encoding="utf-8"?>
+<file path=ppt/slides/slide8.xml><?xml version="1.0" encoding="utf-8"?>
 <p:sld xmlns:a="http://schemas.openxmlformats.org/drawingml/2006/main" xmlns:r="http://schemas.openxmlformats.org/officeDocument/2006/relationships" xmlns:mc="http://schemas.openxmlformats.org/markup-compatibility/2006" xmlns:mv="urn:schemas-microsoft-com:mac:vml" xmlns:p="http://schemas.openxmlformats.org/presentationml/2006/main" xmlns:c="http://schemas.openxmlformats.org/drawingml/2006/chart" xmlns:dgm="http://schemas.openxmlformats.org/drawingml/2006/diagram" xmlns:o="urn:schemas-microsoft-com:office:office" xmlns:v="urn:schemas-microsoft-com:vml" xmlns:pvml="urn:schemas-microsoft-com:office:powerpoint" xmlns:com="http://schemas.openxmlformats.org/drawingml/2006/compatibility" xmlns:p14="http://schemas.microsoft.com/office/powerpoint/2010/main" xmlns:p15="http://schemas.microsoft.com/office/powerpoint/2012/main" xmlns:ahyp="http://schemas.microsoft.com/office/drawing/2018/hyperlinkcolor">
   <p:cSld>
     <p:spTree>
       <p:nvGrpSpPr>
-        <p:cNvPr id="78" name="Shape 78"/>
+        <p:cNvPr id="108" name="Shape 108"/>
         <p:cNvGrpSpPr/>
         <p:nvPr/>
       </p:nvGrpSpPr>
@@ -6388,7 +7459,7 @@
       </p:grpSpPr>
       <p:sp>
         <p:nvSpPr>
-          <p:cNvPr id="79" name="Google Shape;79;p15"/>
+          <p:cNvPr id="109" name="Google Shape;109;p20"/>
           <p:cNvSpPr txBox="1"/>
           <p:nvPr>
             <p:ph type="title"/>
@@ -6428,7 +7499,7 @@
       </p:sp>
       <p:sp>
         <p:nvSpPr>
-          <p:cNvPr id="80" name="Google Shape;80;p15"/>
+          <p:cNvPr id="110" name="Google Shape;110;p20"/>
           <p:cNvSpPr txBox="1"/>
           <p:nvPr>
             <p:ph idx="1" type="body"/>
@@ -6467,7 +7538,7 @@
       </p:sp>
       <p:pic>
         <p:nvPicPr>
-          <p:cNvPr id="81" name="Google Shape;81;p15"/>
+          <p:cNvPr id="111" name="Google Shape;111;p20"/>
           <p:cNvPicPr preferRelativeResize="0"/>
           <p:nvPr/>
         </p:nvPicPr>
